--- a/baocao/TTTN_LƯU QUANG HOÀNG DUY_17CNTT3.pptx
+++ b/baocao/TTTN_LƯU QUANG HOÀNG DUY_17CNTT3.pptx
@@ -7605,7 +7605,7 @@
           <a:p>
             <a:fld id="{4AAD347D-5ACD-4C99-B74B-A9C85AD731AF}" type="datetimeFigureOut">
               <a:rPr lang="en-US" dirty="0"/>
-              <a:t>12/28/2021</a:t>
+              <a:t>12/29/2021</a:t>
             </a:fld>
             <a:endParaRPr lang="en-US" dirty="0"/>
           </a:p>
@@ -7890,7 +7890,7 @@
           <a:p>
             <a:fld id="{4509A250-FF31-4206-8172-F9D3106AACB1}" type="datetimeFigureOut">
               <a:rPr lang="en-US" dirty="0"/>
-              <a:t>12/28/2021</a:t>
+              <a:t>12/29/2021</a:t>
             </a:fld>
             <a:endParaRPr lang="en-US" dirty="0"/>
           </a:p>
@@ -8094,7 +8094,7 @@
           <a:p>
             <a:fld id="{4509A250-FF31-4206-8172-F9D3106AACB1}" type="datetimeFigureOut">
               <a:rPr lang="en-US" dirty="0"/>
-              <a:t>12/28/2021</a:t>
+              <a:t>12/29/2021</a:t>
             </a:fld>
             <a:endParaRPr lang="en-US" dirty="0"/>
           </a:p>
@@ -8377,7 +8377,7 @@
           <a:p>
             <a:fld id="{4509A250-FF31-4206-8172-F9D3106AACB1}" type="datetimeFigureOut">
               <a:rPr lang="en-US" dirty="0"/>
-              <a:t>12/28/2021</a:t>
+              <a:t>12/29/2021</a:t>
             </a:fld>
             <a:endParaRPr lang="en-US" dirty="0"/>
           </a:p>
@@ -8728,7 +8728,7 @@
           <a:p>
             <a:fld id="{4509A250-FF31-4206-8172-F9D3106AACB1}" type="datetimeFigureOut">
               <a:rPr lang="en-US" dirty="0"/>
-              <a:t>12/28/2021</a:t>
+              <a:t>12/29/2021</a:t>
             </a:fld>
             <a:endParaRPr lang="en-US" dirty="0"/>
           </a:p>
@@ -9361,7 +9361,7 @@
           <a:p>
             <a:fld id="{4509A250-FF31-4206-8172-F9D3106AACB1}" type="datetimeFigureOut">
               <a:rPr lang="en-US" dirty="0"/>
-              <a:t>12/28/2021</a:t>
+              <a:t>12/29/2021</a:t>
             </a:fld>
             <a:endParaRPr lang="en-US" dirty="0"/>
           </a:p>
@@ -10231,7 +10231,7 @@
           <a:p>
             <a:fld id="{4509A250-FF31-4206-8172-F9D3106AACB1}" type="datetimeFigureOut">
               <a:rPr lang="en-US" dirty="0"/>
-              <a:t>12/28/2021</a:t>
+              <a:t>12/29/2021</a:t>
             </a:fld>
             <a:endParaRPr lang="en-US" dirty="0"/>
           </a:p>
@@ -10411,7 +10411,7 @@
           <a:p>
             <a:fld id="{4509A250-FF31-4206-8172-F9D3106AACB1}" type="datetimeFigureOut">
               <a:rPr lang="en-US" dirty="0"/>
-              <a:t>12/28/2021</a:t>
+              <a:t>12/29/2021</a:t>
             </a:fld>
             <a:endParaRPr lang="en-US" dirty="0"/>
           </a:p>
@@ -10601,7 +10601,7 @@
           <a:p>
             <a:fld id="{4509A250-FF31-4206-8172-F9D3106AACB1}" type="datetimeFigureOut">
               <a:rPr lang="en-US" dirty="0"/>
-              <a:t>12/28/2021</a:t>
+              <a:t>12/29/2021</a:t>
             </a:fld>
             <a:endParaRPr lang="en-US" dirty="0"/>
           </a:p>
@@ -11508,7 +11508,7 @@
           <a:p>
             <a:fld id="{4509A250-FF31-4206-8172-F9D3106AACB1}" type="datetimeFigureOut">
               <a:rPr lang="en-US" dirty="0"/>
-              <a:t>12/28/2021</a:t>
+              <a:t>12/29/2021</a:t>
             </a:fld>
             <a:endParaRPr lang="en-US" dirty="0"/>
           </a:p>
@@ -13647,7 +13647,7 @@
           <a:p>
             <a:fld id="{9796027F-7875-4030-9381-8BD8C4F21935}" type="datetimeFigureOut">
               <a:rPr lang="en-US" dirty="0"/>
-              <a:t>12/28/2021</a:t>
+              <a:t>12/29/2021</a:t>
             </a:fld>
             <a:endParaRPr lang="en-US" dirty="0"/>
           </a:p>
@@ -13949,7 +13949,7 @@
           <a:p>
             <a:fld id="{9796027F-7875-4030-9381-8BD8C4F21935}" type="datetimeFigureOut">
               <a:rPr lang="en-US" dirty="0"/>
-              <a:t>12/28/2021</a:t>
+              <a:t>12/29/2021</a:t>
             </a:fld>
             <a:endParaRPr lang="en-US" dirty="0"/>
           </a:p>
@@ -14403,7 +14403,7 @@
           <a:p>
             <a:fld id="{9796027F-7875-4030-9381-8BD8C4F21935}" type="datetimeFigureOut">
               <a:rPr lang="en-US" dirty="0"/>
-              <a:t>12/28/2021</a:t>
+              <a:t>12/29/2021</a:t>
             </a:fld>
             <a:endParaRPr lang="en-US" dirty="0"/>
           </a:p>
@@ -14531,7 +14531,7 @@
           <a:p>
             <a:fld id="{4509A250-FF31-4206-8172-F9D3106AACB1}" type="datetimeFigureOut">
               <a:rPr lang="en-US" dirty="0"/>
-              <a:t>12/28/2021</a:t>
+              <a:t>12/29/2021</a:t>
             </a:fld>
             <a:endParaRPr lang="en-US" dirty="0"/>
           </a:p>
@@ -14636,7 +14636,7 @@
           <a:p>
             <a:fld id="{4509A250-FF31-4206-8172-F9D3106AACB1}" type="datetimeFigureOut">
               <a:rPr lang="en-US" dirty="0"/>
-              <a:t>12/28/2021</a:t>
+              <a:t>12/29/2021</a:t>
             </a:fld>
             <a:endParaRPr lang="en-US" dirty="0"/>
           </a:p>
@@ -14925,7 +14925,7 @@
           <a:p>
             <a:fld id="{4509A250-FF31-4206-8172-F9D3106AACB1}" type="datetimeFigureOut">
               <a:rPr lang="en-US" dirty="0"/>
-              <a:t>12/28/2021</a:t>
+              <a:t>12/29/2021</a:t>
             </a:fld>
             <a:endParaRPr lang="en-US" dirty="0"/>
           </a:p>
@@ -15210,7 +15210,7 @@
           <a:p>
             <a:fld id="{4509A250-FF31-4206-8172-F9D3106AACB1}" type="datetimeFigureOut">
               <a:rPr lang="en-US" dirty="0"/>
-              <a:t>12/28/2021</a:t>
+              <a:t>12/29/2021</a:t>
             </a:fld>
             <a:endParaRPr lang="en-US" dirty="0"/>
           </a:p>
@@ -15649,7 +15649,7 @@
           <a:p>
             <a:fld id="{4AAD347D-5ACD-4C99-B74B-A9C85AD731AF}" type="datetimeFigureOut">
               <a:rPr lang="en-US" dirty="0"/>
-              <a:t>12/28/2021</a:t>
+              <a:t>12/29/2021</a:t>
             </a:fld>
             <a:endParaRPr lang="en-US" dirty="0"/>
           </a:p>
@@ -22701,17 +22701,17 @@
                 <a:latin typeface="Times New Roman" panose="02020603050405020304" pitchFamily="18" charset="0"/>
                 <a:cs typeface="Times New Roman" panose="02020603050405020304" pitchFamily="18" charset="0"/>
               </a:rPr>
-              <a:t> Sơ đồ DFD</a:t>
+              <a:t>Cơ sở dữ liệu</a:t>
             </a:r>
           </a:p>
         </p:txBody>
       </p:sp>
       <p:pic>
         <p:nvPicPr>
-          <p:cNvPr id="3" name="Hình ảnh 2">
+          <p:cNvPr id="4" name="Hình ảnh 3">
             <a:extLst>
               <a:ext uri="{FF2B5EF4-FFF2-40B4-BE49-F238E27FC236}">
-                <a16:creationId xmlns:a16="http://schemas.microsoft.com/office/drawing/2014/main" id="{77C46C9E-21D5-4BD6-BDAD-A9D9D102FDA2}"/>
+                <a16:creationId xmlns:a16="http://schemas.microsoft.com/office/drawing/2014/main" id="{BDD5C5FC-4FCF-4EA0-B688-3FB850463532}"/>
               </a:ext>
             </a:extLst>
           </p:cNvPr>
@@ -22728,8 +22728,8 @@
         </p:blipFill>
         <p:spPr>
           <a:xfrm>
-            <a:off x="2369480" y="1905890"/>
-            <a:ext cx="5458587" cy="2067213"/>
+            <a:off x="325556" y="1111785"/>
+            <a:ext cx="8636725" cy="4031715"/>
           </a:xfrm>
           <a:prstGeom prst="rect">
             <a:avLst/>
@@ -30063,7 +30063,7 @@
                 <a:latin typeface="Times New Roman" panose="02020603050405020304" pitchFamily="18" charset="0"/>
                 <a:cs typeface="Times New Roman" panose="02020603050405020304" pitchFamily="18" charset="0"/>
               </a:rPr>
-              <a:t>- Phạm vi nghiên cứu: Tìm hiểu kỹ thuật lập trình, cách thức hoạt         động và các đối tượng trong php</a:t>
+              <a:t>- Phạm vi nghiên cứu: Tìm hiểu kỹ thuật lập trình, cách thức hoạt động và các đối tượng trong php</a:t>
             </a:r>
             <a:endParaRPr sz="1500">
               <a:solidFill>
